--- a/ppt/小游戲介紹.pptx
+++ b/ppt/小游戲介紹.pptx
@@ -5,7 +5,9 @@
     <p:sldMasterId id="2147483648" r:id="rId1"/>
   </p:sldMasterIdLst>
   <p:sldIdLst>
-    <p:sldId id="256" r:id="rId2"/>
+    <p:sldId id="264" r:id="rId2"/>
+    <p:sldId id="256" r:id="rId3"/>
+    <p:sldId id="257" r:id="rId4"/>
   </p:sldIdLst>
   <p:sldSz cx="12192000" cy="6858000"/>
   <p:notesSz cx="6858000" cy="9144000"/>
@@ -104,6 +106,11 @@
       </a:defRPr>
     </a:lvl9pPr>
   </p:defaultTextStyle>
+  <p:extLst>
+    <p:ext uri="{EFAFB233-063F-42B5-8137-9DF3F51BA10A}">
+      <p15:sldGuideLst xmlns:p15="http://schemas.microsoft.com/office/powerpoint/2012/main"/>
+    </p:ext>
+  </p:extLst>
 </p:presentation>
 </file>
 
@@ -2740,9 +2747,12 @@
 <p:sldMaster xmlns:a="http://schemas.openxmlformats.org/drawingml/2006/main" xmlns:r="http://schemas.openxmlformats.org/officeDocument/2006/relationships" xmlns:p="http://schemas.openxmlformats.org/presentationml/2006/main">
   <p:cSld>
     <p:bg>
-      <p:bgRef idx="1001">
-        <a:schemeClr val="bg1"/>
-      </p:bgRef>
+      <p:bgPr>
+        <a:solidFill>
+          <a:srgbClr val="3D4A55"/>
+        </a:solidFill>
+        <a:effectLst/>
+      </p:bgPr>
     </p:bg>
     <p:spTree>
       <p:nvGrpSpPr>
@@ -3321,6 +3331,575 @@
           <a:chExt cx="0" cy="0"/>
         </a:xfrm>
       </p:grpSpPr>
+      <p:pic>
+        <p:nvPicPr>
+          <p:cNvPr id="6" name="Picture 5">
+            <a:extLst>
+              <a:ext uri="{FF2B5EF4-FFF2-40B4-BE49-F238E27FC236}">
+                <a16:creationId xmlns:a16="http://schemas.microsoft.com/office/drawing/2014/main" id="{A7404CD2-8F3E-4464-B8C9-80179280227B}"/>
+              </a:ext>
+            </a:extLst>
+          </p:cNvPr>
+          <p:cNvPicPr>
+            <a:picLocks noChangeAspect="1"/>
+          </p:cNvPicPr>
+          <p:nvPr/>
+        </p:nvPicPr>
+        <p:blipFill>
+          <a:blip r:embed="rId2">
+            <a:extLst>
+              <a:ext uri="{BEBA8EAE-BF5A-486C-A8C5-ECC9F3942E4B}">
+                <a14:imgProps xmlns:a14="http://schemas.microsoft.com/office/drawing/2010/main">
+                  <a14:imgLayer r:embed="rId3">
+                    <a14:imgEffect>
+                      <a14:artisticBlur radius="80"/>
+                    </a14:imgEffect>
+                  </a14:imgLayer>
+                </a14:imgProps>
+              </a:ext>
+            </a:extLst>
+          </a:blip>
+          <a:stretch>
+            <a:fillRect/>
+          </a:stretch>
+        </p:blipFill>
+        <p:spPr>
+          <a:xfrm>
+            <a:off x="1526638" y="0"/>
+            <a:ext cx="9138721" cy="6858000"/>
+          </a:xfrm>
+          <a:prstGeom prst="rect">
+            <a:avLst/>
+          </a:prstGeom>
+        </p:spPr>
+      </p:pic>
+      <p:sp>
+        <p:nvSpPr>
+          <p:cNvPr id="8" name="TextBox 7">
+            <a:extLst>
+              <a:ext uri="{FF2B5EF4-FFF2-40B4-BE49-F238E27FC236}">
+                <a16:creationId xmlns:a16="http://schemas.microsoft.com/office/drawing/2014/main" id="{CF0CDDE1-DCAB-4918-81F6-0C7ACEA234E4}"/>
+              </a:ext>
+            </a:extLst>
+          </p:cNvPr>
+          <p:cNvSpPr txBox="1"/>
+          <p:nvPr/>
+        </p:nvSpPr>
+        <p:spPr>
+          <a:xfrm>
+            <a:off x="3164043" y="2813447"/>
+            <a:ext cx="5863910" cy="923330"/>
+          </a:xfrm>
+          <a:prstGeom prst="rect">
+            <a:avLst/>
+          </a:prstGeom>
+          <a:noFill/>
+        </p:spPr>
+        <p:txBody>
+          <a:bodyPr wrap="square" rtlCol="0">
+            <a:spAutoFit/>
+          </a:bodyPr>
+          <a:lstStyle/>
+          <a:p>
+            <a:pPr algn="ctr"/>
+            <a:r>
+              <a:rPr lang="zh-CN" altLang="en-US" sz="5400" dirty="0">
+                <a:solidFill>
+                  <a:schemeClr val="bg1"/>
+                </a:solidFill>
+                <a:latin typeface="微软雅黑 Light" panose="020B0502040204020203" pitchFamily="34" charset="-122"/>
+                <a:ea typeface="微软雅黑 Light" panose="020B0502040204020203" pitchFamily="34" charset="-122"/>
+              </a:rPr>
+              <a:t>小遊戲介紹</a:t>
+            </a:r>
+            <a:endParaRPr lang="zh-TW" altLang="en-US" sz="2400" dirty="0">
+              <a:solidFill>
+                <a:schemeClr val="bg1"/>
+              </a:solidFill>
+              <a:latin typeface="微软雅黑 Light" panose="020B0502040204020203" pitchFamily="34" charset="-122"/>
+              <a:ea typeface="微软雅黑 Light" panose="020B0502040204020203" pitchFamily="34" charset="-122"/>
+            </a:endParaRPr>
+          </a:p>
+        </p:txBody>
+      </p:sp>
+      <p:grpSp>
+        <p:nvGrpSpPr>
+          <p:cNvPr id="5" name="Group 4">
+            <a:extLst>
+              <a:ext uri="{FF2B5EF4-FFF2-40B4-BE49-F238E27FC236}">
+                <a16:creationId xmlns:a16="http://schemas.microsoft.com/office/drawing/2014/main" id="{EB10F144-0D0F-45AC-8C6A-C9C84D0D6A7E}"/>
+              </a:ext>
+            </a:extLst>
+          </p:cNvPr>
+          <p:cNvGrpSpPr/>
+          <p:nvPr/>
+        </p:nvGrpSpPr>
+        <p:grpSpPr>
+          <a:xfrm>
+            <a:off x="6655911" y="4106109"/>
+            <a:ext cx="2290168" cy="226847"/>
+            <a:chOff x="862608" y="680150"/>
+            <a:chExt cx="2290168" cy="226847"/>
+          </a:xfrm>
+        </p:grpSpPr>
+        <p:sp>
+          <p:nvSpPr>
+            <p:cNvPr id="7" name="Rectangle: Rounded Corners 6">
+              <a:extLst>
+                <a:ext uri="{FF2B5EF4-FFF2-40B4-BE49-F238E27FC236}">
+                  <a16:creationId xmlns:a16="http://schemas.microsoft.com/office/drawing/2014/main" id="{A476C762-E70B-47FD-AAF8-0BDE8C0ADAC4}"/>
+                </a:ext>
+              </a:extLst>
+            </p:cNvPr>
+            <p:cNvSpPr/>
+            <p:nvPr/>
+          </p:nvSpPr>
+          <p:spPr>
+            <a:xfrm flipV="1">
+              <a:off x="862608" y="680150"/>
+              <a:ext cx="2290168" cy="45720"/>
+            </a:xfrm>
+            <a:prstGeom prst="roundRect">
+              <a:avLst/>
+            </a:prstGeom>
+            <a:solidFill>
+              <a:srgbClr val="387BB2"/>
+            </a:solidFill>
+            <a:ln>
+              <a:solidFill>
+                <a:srgbClr val="3A7BB2"/>
+              </a:solidFill>
+            </a:ln>
+          </p:spPr>
+          <p:style>
+            <a:lnRef idx="2">
+              <a:schemeClr val="accent1">
+                <a:shade val="50000"/>
+              </a:schemeClr>
+            </a:lnRef>
+            <a:fillRef idx="1">
+              <a:schemeClr val="accent1"/>
+            </a:fillRef>
+            <a:effectRef idx="0">
+              <a:schemeClr val="accent1"/>
+            </a:effectRef>
+            <a:fontRef idx="minor">
+              <a:schemeClr val="lt1"/>
+            </a:fontRef>
+          </p:style>
+          <p:txBody>
+            <a:bodyPr rtlCol="0" anchor="ctr"/>
+            <a:lstStyle/>
+            <a:p>
+              <a:pPr algn="ctr"/>
+              <a:endParaRPr lang="zh-TW" altLang="en-US"/>
+            </a:p>
+          </p:txBody>
+        </p:sp>
+        <p:sp>
+          <p:nvSpPr>
+            <p:cNvPr id="10" name="Rectangle: Rounded Corners 9">
+              <a:extLst>
+                <a:ext uri="{FF2B5EF4-FFF2-40B4-BE49-F238E27FC236}">
+                  <a16:creationId xmlns:a16="http://schemas.microsoft.com/office/drawing/2014/main" id="{016AB1A5-4E24-4F2C-88A1-69D77D758B83}"/>
+                </a:ext>
+              </a:extLst>
+            </p:cNvPr>
+            <p:cNvSpPr/>
+            <p:nvPr/>
+          </p:nvSpPr>
+          <p:spPr>
+            <a:xfrm flipV="1">
+              <a:off x="1745482" y="861277"/>
+              <a:ext cx="1332376" cy="45720"/>
+            </a:xfrm>
+            <a:prstGeom prst="roundRect">
+              <a:avLst/>
+            </a:prstGeom>
+            <a:solidFill>
+              <a:srgbClr val="FFC81D"/>
+            </a:solidFill>
+            <a:ln>
+              <a:solidFill>
+                <a:srgbClr val="FFC91A"/>
+              </a:solidFill>
+            </a:ln>
+          </p:spPr>
+          <p:style>
+            <a:lnRef idx="2">
+              <a:schemeClr val="accent1">
+                <a:shade val="50000"/>
+              </a:schemeClr>
+            </a:lnRef>
+            <a:fillRef idx="1">
+              <a:schemeClr val="accent1"/>
+            </a:fillRef>
+            <a:effectRef idx="0">
+              <a:schemeClr val="accent1"/>
+            </a:effectRef>
+            <a:fontRef idx="minor">
+              <a:schemeClr val="lt1"/>
+            </a:fontRef>
+          </p:style>
+          <p:txBody>
+            <a:bodyPr rtlCol="0" anchor="ctr"/>
+            <a:lstStyle/>
+            <a:p>
+              <a:pPr algn="ctr"/>
+              <a:endParaRPr lang="zh-TW" altLang="en-US"/>
+            </a:p>
+          </p:txBody>
+        </p:sp>
+      </p:grpSp>
+    </p:spTree>
+    <p:extLst>
+      <p:ext uri="{BB962C8B-B14F-4D97-AF65-F5344CB8AC3E}">
+        <p14:creationId xmlns:p14="http://schemas.microsoft.com/office/powerpoint/2010/main" val="1143890734"/>
+      </p:ext>
+    </p:extLst>
+  </p:cSld>
+  <p:clrMapOvr>
+    <a:masterClrMapping/>
+  </p:clrMapOvr>
+  <mc:AlternateContent xmlns:mc="http://schemas.openxmlformats.org/markup-compatibility/2006" xmlns:p159="http://schemas.microsoft.com/office/powerpoint/2015/09/main">
+    <mc:Choice Requires="p159">
+      <p:transition xmlns:p14="http://schemas.microsoft.com/office/powerpoint/2010/main" spd="slow" p14:dur="2000">
+        <p159:morph option="byObject"/>
+      </p:transition>
+    </mc:Choice>
+    <mc:Fallback xmlns="">
+      <p:transition spd="slow">
+        <p:fade/>
+      </p:transition>
+    </mc:Fallback>
+  </mc:AlternateContent>
+</p:sld>
+</file>
+
+<file path=ppt/slides/slide2.xml><?xml version="1.0" encoding="utf-8"?>
+<p:sld xmlns:a="http://schemas.openxmlformats.org/drawingml/2006/main" xmlns:r="http://schemas.openxmlformats.org/officeDocument/2006/relationships" xmlns:p="http://schemas.openxmlformats.org/presentationml/2006/main">
+  <p:cSld>
+    <p:spTree>
+      <p:nvGrpSpPr>
+        <p:cNvPr id="1" name=""/>
+        <p:cNvGrpSpPr/>
+        <p:nvPr/>
+      </p:nvGrpSpPr>
+      <p:grpSpPr>
+        <a:xfrm>
+          <a:off x="0" y="0"/>
+          <a:ext cx="0" cy="0"/>
+          <a:chOff x="0" y="0"/>
+          <a:chExt cx="0" cy="0"/>
+        </a:xfrm>
+      </p:grpSpPr>
+      <p:pic>
+        <p:nvPicPr>
+          <p:cNvPr id="4" name="图片 3">
+            <a:extLst>
+              <a:ext uri="{FF2B5EF4-FFF2-40B4-BE49-F238E27FC236}">
+                <a16:creationId xmlns:a16="http://schemas.microsoft.com/office/drawing/2014/main" id="{72C4FFE4-FA57-F0C0-D07C-D0962F899DD0}"/>
+              </a:ext>
+            </a:extLst>
+          </p:cNvPr>
+          <p:cNvPicPr>
+            <a:picLocks noChangeAspect="1"/>
+          </p:cNvPicPr>
+          <p:nvPr/>
+        </p:nvPicPr>
+        <p:blipFill>
+          <a:blip r:embed="rId2"/>
+          <a:stretch>
+            <a:fillRect/>
+          </a:stretch>
+        </p:blipFill>
+        <p:spPr>
+          <a:xfrm>
+            <a:off x="868834" y="1718624"/>
+            <a:ext cx="4555612" cy="4103109"/>
+          </a:xfrm>
+          <a:prstGeom prst="rect">
+            <a:avLst/>
+          </a:prstGeom>
+          <a:scene3d>
+            <a:camera prst="perspectiveRight"/>
+            <a:lightRig rig="threePt" dir="t"/>
+          </a:scene3d>
+        </p:spPr>
+      </p:pic>
+      <p:sp>
+        <p:nvSpPr>
+          <p:cNvPr id="7" name="文本框 6">
+            <a:extLst>
+              <a:ext uri="{FF2B5EF4-FFF2-40B4-BE49-F238E27FC236}">
+                <a16:creationId xmlns:a16="http://schemas.microsoft.com/office/drawing/2014/main" id="{63357C05-00E8-3CA3-5B3D-863746A3AB30}"/>
+              </a:ext>
+            </a:extLst>
+          </p:cNvPr>
+          <p:cNvSpPr txBox="1"/>
+          <p:nvPr/>
+        </p:nvSpPr>
+        <p:spPr>
+          <a:xfrm>
+            <a:off x="638759" y="6102215"/>
+            <a:ext cx="4670322" cy="646331"/>
+          </a:xfrm>
+          <a:prstGeom prst="rect">
+            <a:avLst/>
+          </a:prstGeom>
+          <a:noFill/>
+        </p:spPr>
+        <p:txBody>
+          <a:bodyPr wrap="square" rtlCol="0">
+            <a:spAutoFit/>
+          </a:bodyPr>
+          <a:lstStyle/>
+          <a:p>
+            <a:r>
+              <a:rPr lang="zh-CN" altLang="en-US" dirty="0">
+                <a:solidFill>
+                  <a:schemeClr val="bg1"/>
+                </a:solidFill>
+              </a:rPr>
+              <a:t>簡單利用了</a:t>
+            </a:r>
+            <a:r>
+              <a:rPr lang="en-US" altLang="zh-CN" dirty="0">
+                <a:solidFill>
+                  <a:schemeClr val="bg1"/>
+                </a:solidFill>
+              </a:rPr>
+              <a:t>if-else</a:t>
+            </a:r>
+            <a:r>
+              <a:rPr lang="zh-CN" altLang="en-US" dirty="0">
+                <a:solidFill>
+                  <a:schemeClr val="bg1"/>
+                </a:solidFill>
+              </a:rPr>
+              <a:t>為主寫出這這遊戲的邏輯。</a:t>
+            </a:r>
+            <a:endParaRPr lang="en-US" altLang="zh-CN" dirty="0">
+              <a:solidFill>
+                <a:schemeClr val="bg1"/>
+              </a:solidFill>
+            </a:endParaRPr>
+          </a:p>
+          <a:p>
+            <a:endParaRPr lang="zh-CN" altLang="en-US" dirty="0"/>
+          </a:p>
+        </p:txBody>
+      </p:sp>
+      <p:pic>
+        <p:nvPicPr>
+          <p:cNvPr id="9" name="图片 8">
+            <a:extLst>
+              <a:ext uri="{FF2B5EF4-FFF2-40B4-BE49-F238E27FC236}">
+                <a16:creationId xmlns:a16="http://schemas.microsoft.com/office/drawing/2014/main" id="{960BC38E-7FAB-93FE-CAE2-965646CE5DDF}"/>
+              </a:ext>
+            </a:extLst>
+          </p:cNvPr>
+          <p:cNvPicPr>
+            <a:picLocks noChangeAspect="1"/>
+          </p:cNvPicPr>
+          <p:nvPr/>
+        </p:nvPicPr>
+        <p:blipFill>
+          <a:blip r:embed="rId3"/>
+          <a:stretch>
+            <a:fillRect/>
+          </a:stretch>
+        </p:blipFill>
+        <p:spPr>
+          <a:xfrm>
+            <a:off x="5619002" y="3336757"/>
+            <a:ext cx="6287864" cy="184485"/>
+          </a:xfrm>
+          <a:prstGeom prst="rect">
+            <a:avLst/>
+          </a:prstGeom>
+        </p:spPr>
+      </p:pic>
+      <p:sp>
+        <p:nvSpPr>
+          <p:cNvPr id="10" name="文本框 9">
+            <a:extLst>
+              <a:ext uri="{FF2B5EF4-FFF2-40B4-BE49-F238E27FC236}">
+                <a16:creationId xmlns:a16="http://schemas.microsoft.com/office/drawing/2014/main" id="{66A75D6A-F03B-7B4D-AA16-B457BAC265F4}"/>
+              </a:ext>
+            </a:extLst>
+          </p:cNvPr>
+          <p:cNvSpPr txBox="1"/>
+          <p:nvPr/>
+        </p:nvSpPr>
+        <p:spPr>
+          <a:xfrm>
+            <a:off x="5812042" y="3781156"/>
+            <a:ext cx="6287864" cy="369332"/>
+          </a:xfrm>
+          <a:prstGeom prst="rect">
+            <a:avLst/>
+          </a:prstGeom>
+          <a:noFill/>
+        </p:spPr>
+        <p:txBody>
+          <a:bodyPr wrap="square" rtlCol="0">
+            <a:spAutoFit/>
+          </a:bodyPr>
+          <a:lstStyle/>
+          <a:p>
+            <a:r>
+              <a:rPr lang="zh-CN" altLang="en-US" dirty="0">
+                <a:solidFill>
+                  <a:schemeClr val="bg1"/>
+                </a:solidFill>
+              </a:rPr>
+              <a:t>使用了</a:t>
+            </a:r>
+            <a:r>
+              <a:rPr lang="en-US" altLang="zh-CN" dirty="0">
+                <a:solidFill>
+                  <a:schemeClr val="bg1"/>
+                </a:solidFill>
+              </a:rPr>
+              <a:t>random</a:t>
+            </a:r>
+            <a:r>
+              <a:rPr lang="zh-CN" altLang="en-US" dirty="0">
+                <a:solidFill>
+                  <a:schemeClr val="bg1"/>
+                </a:solidFill>
+              </a:rPr>
+              <a:t>和</a:t>
+            </a:r>
+            <a:r>
+              <a:rPr lang="en-US" altLang="zh-CN" dirty="0">
+                <a:solidFill>
+                  <a:schemeClr val="bg1"/>
+                </a:solidFill>
+              </a:rPr>
+              <a:t>time</a:t>
+            </a:r>
+            <a:r>
+              <a:rPr lang="zh-CN" altLang="en-US" dirty="0">
+                <a:solidFill>
+                  <a:schemeClr val="bg1"/>
+                </a:solidFill>
+              </a:rPr>
+              <a:t>組成</a:t>
+            </a:r>
+            <a:r>
+              <a:rPr lang="en-US" altLang="zh-CN" dirty="0">
+                <a:solidFill>
+                  <a:schemeClr val="bg1"/>
+                </a:solidFill>
+              </a:rPr>
+              <a:t>Rnumber</a:t>
+            </a:r>
+            <a:r>
+              <a:rPr lang="zh-CN" altLang="en-US" dirty="0">
+                <a:solidFill>
+                  <a:schemeClr val="bg1"/>
+                </a:solidFill>
+              </a:rPr>
+              <a:t>隨機生成號碼作為答案。</a:t>
+            </a:r>
+          </a:p>
+        </p:txBody>
+      </p:sp>
+      <p:pic>
+        <p:nvPicPr>
+          <p:cNvPr id="13" name="Picture 5">
+            <a:extLst>
+              <a:ext uri="{FF2B5EF4-FFF2-40B4-BE49-F238E27FC236}">
+                <a16:creationId xmlns:a16="http://schemas.microsoft.com/office/drawing/2014/main" id="{DDA3F3EC-53D6-FA67-9CAC-3F0AAF85F618}"/>
+              </a:ext>
+            </a:extLst>
+          </p:cNvPr>
+          <p:cNvPicPr>
+            <a:picLocks noChangeAspect="1"/>
+          </p:cNvPicPr>
+          <p:nvPr/>
+        </p:nvPicPr>
+        <p:blipFill>
+          <a:blip r:embed="rId4"/>
+          <a:stretch>
+            <a:fillRect/>
+          </a:stretch>
+        </p:blipFill>
+        <p:spPr>
+          <a:xfrm>
+            <a:off x="-460058" y="-243341"/>
+            <a:ext cx="1496345" cy="1122907"/>
+          </a:xfrm>
+          <a:prstGeom prst="rect">
+            <a:avLst/>
+          </a:prstGeom>
+        </p:spPr>
+      </p:pic>
+      <p:sp>
+        <p:nvSpPr>
+          <p:cNvPr id="14" name="文本框 13">
+            <a:extLst>
+              <a:ext uri="{FF2B5EF4-FFF2-40B4-BE49-F238E27FC236}">
+                <a16:creationId xmlns:a16="http://schemas.microsoft.com/office/drawing/2014/main" id="{BE9F7E95-0C1C-C729-602B-3E811922C059}"/>
+              </a:ext>
+            </a:extLst>
+          </p:cNvPr>
+          <p:cNvSpPr txBox="1"/>
+          <p:nvPr/>
+        </p:nvSpPr>
+        <p:spPr>
+          <a:xfrm>
+            <a:off x="1854200" y="529654"/>
+            <a:ext cx="8483600" cy="800219"/>
+          </a:xfrm>
+          <a:prstGeom prst="rect">
+            <a:avLst/>
+          </a:prstGeom>
+          <a:noFill/>
+        </p:spPr>
+        <p:txBody>
+          <a:bodyPr wrap="square" rtlCol="0">
+            <a:spAutoFit/>
+          </a:bodyPr>
+          <a:lstStyle/>
+          <a:p>
+            <a:r>
+              <a:rPr lang="zh-CN" altLang="en-US" sz="2800" b="1" dirty="0">
+                <a:solidFill>
+                  <a:schemeClr val="bg1"/>
+                </a:solidFill>
+              </a:rPr>
+              <a:t>猜數字遊戲（壽命小遊戲）：</a:t>
+            </a:r>
+            <a:endParaRPr lang="en-US" altLang="zh-CN" sz="2800" b="1" dirty="0">
+              <a:solidFill>
+                <a:schemeClr val="bg1"/>
+              </a:solidFill>
+            </a:endParaRPr>
+          </a:p>
+          <a:p>
+            <a:r>
+              <a:rPr lang="en-US" altLang="zh-CN" dirty="0">
+                <a:solidFill>
+                  <a:schemeClr val="bg1"/>
+                </a:solidFill>
+              </a:rPr>
+              <a:t>1-100</a:t>
+            </a:r>
+            <a:r>
+              <a:rPr lang="zh-CN" altLang="en-US" dirty="0">
+                <a:solidFill>
+                  <a:schemeClr val="bg1"/>
+                </a:solidFill>
+              </a:rPr>
+              <a:t>內猜測一個數字，如果一次就猜對了那出門就要小心了，怕你突然才到狗屎。</a:t>
+            </a:r>
+            <a:endParaRPr lang="zh-CN" altLang="en-US" dirty="0"/>
+          </a:p>
+        </p:txBody>
+      </p:sp>
     </p:spTree>
     <p:extLst>
       <p:ext uri="{BB962C8B-B14F-4D97-AF65-F5344CB8AC3E}">
@@ -3331,6 +3910,562 @@
   <p:clrMapOvr>
     <a:masterClrMapping/>
   </p:clrMapOvr>
+  <mc:AlternateContent xmlns:mc="http://schemas.openxmlformats.org/markup-compatibility/2006">
+    <mc:Choice xmlns:p159="http://schemas.microsoft.com/office/powerpoint/2015/09/main" Requires="p159">
+      <p:transition xmlns:p14="http://schemas.microsoft.com/office/powerpoint/2010/main" spd="slow" p14:dur="2000">
+        <p159:morph option="byObject"/>
+      </p:transition>
+    </mc:Choice>
+    <mc:Fallback>
+      <p:transition spd="slow">
+        <p:fade/>
+      </p:transition>
+    </mc:Fallback>
+  </mc:AlternateContent>
+</p:sld>
+</file>
+
+<file path=ppt/slides/slide3.xml><?xml version="1.0" encoding="utf-8"?>
+<p:sld xmlns:a="http://schemas.openxmlformats.org/drawingml/2006/main" xmlns:r="http://schemas.openxmlformats.org/officeDocument/2006/relationships" xmlns:p="http://schemas.openxmlformats.org/presentationml/2006/main">
+  <p:cSld>
+    <p:spTree>
+      <p:nvGrpSpPr>
+        <p:cNvPr id="1" name=""/>
+        <p:cNvGrpSpPr/>
+        <p:nvPr/>
+      </p:nvGrpSpPr>
+      <p:grpSpPr>
+        <a:xfrm>
+          <a:off x="0" y="0"/>
+          <a:ext cx="0" cy="0"/>
+          <a:chOff x="0" y="0"/>
+          <a:chExt cx="0" cy="0"/>
+        </a:xfrm>
+      </p:grpSpPr>
+      <p:sp>
+        <p:nvSpPr>
+          <p:cNvPr id="4" name="文本框 3">
+            <a:extLst>
+              <a:ext uri="{FF2B5EF4-FFF2-40B4-BE49-F238E27FC236}">
+                <a16:creationId xmlns:a16="http://schemas.microsoft.com/office/drawing/2014/main" id="{6F127D18-3772-225D-D30D-8A738CCA4CE3}"/>
+              </a:ext>
+            </a:extLst>
+          </p:cNvPr>
+          <p:cNvSpPr txBox="1"/>
+          <p:nvPr/>
+        </p:nvSpPr>
+        <p:spPr>
+          <a:xfrm>
+            <a:off x="1926958" y="597040"/>
+            <a:ext cx="8338083" cy="1077218"/>
+          </a:xfrm>
+          <a:prstGeom prst="rect">
+            <a:avLst/>
+          </a:prstGeom>
+          <a:noFill/>
+        </p:spPr>
+        <p:txBody>
+          <a:bodyPr wrap="square" rtlCol="0">
+            <a:spAutoFit/>
+          </a:bodyPr>
+          <a:lstStyle/>
+          <a:p>
+            <a:r>
+              <a:rPr lang="zh-CN" altLang="en-US" sz="2800" b="1" dirty="0">
+                <a:solidFill>
+                  <a:schemeClr val="bg1"/>
+                </a:solidFill>
+              </a:rPr>
+              <a:t>驗證碼遊戲：</a:t>
+            </a:r>
+            <a:endParaRPr lang="en-US" altLang="zh-CN" sz="2800" b="1" dirty="0">
+              <a:solidFill>
+                <a:schemeClr val="bg1"/>
+              </a:solidFill>
+            </a:endParaRPr>
+          </a:p>
+          <a:p>
+            <a:r>
+              <a:rPr lang="zh-CN" altLang="en-US" dirty="0">
+                <a:solidFill>
+                  <a:schemeClr val="bg1"/>
+                </a:solidFill>
+              </a:rPr>
+              <a:t>明明記得那</a:t>
+            </a:r>
+            <a:r>
+              <a:rPr lang="en-US" altLang="zh-CN" dirty="0">
+                <a:solidFill>
+                  <a:schemeClr val="bg1"/>
+                </a:solidFill>
+              </a:rPr>
+              <a:t>6</a:t>
+            </a:r>
+            <a:r>
+              <a:rPr lang="zh-CN" altLang="en-US" dirty="0">
+                <a:solidFill>
+                  <a:schemeClr val="bg1"/>
+                </a:solidFill>
+              </a:rPr>
+              <a:t>個數字但是每當要輸入時就會忘記</a:t>
+            </a:r>
+            <a:r>
+              <a:rPr lang="en-US" altLang="zh-CN" dirty="0">
+                <a:solidFill>
+                  <a:schemeClr val="bg1"/>
+                </a:solidFill>
+              </a:rPr>
+              <a:t>“</a:t>
+            </a:r>
+            <a:r>
+              <a:rPr lang="zh-CN" altLang="en-US" dirty="0">
+                <a:solidFill>
+                  <a:schemeClr val="bg1"/>
+                </a:solidFill>
+              </a:rPr>
+              <a:t>誒號碼是什麼來著？再看一眼。</a:t>
+            </a:r>
+            <a:r>
+              <a:rPr lang="en-US" altLang="zh-CN" dirty="0">
+                <a:solidFill>
+                  <a:schemeClr val="bg1"/>
+                </a:solidFill>
+              </a:rPr>
+              <a:t>”</a:t>
+            </a:r>
+          </a:p>
+          <a:p>
+            <a:r>
+              <a:rPr lang="zh-CN" altLang="en-US" dirty="0">
+                <a:solidFill>
+                  <a:schemeClr val="bg1"/>
+                </a:solidFill>
+              </a:rPr>
+              <a:t>長時間玩這遊戲可以有效的鍛鍊到我們的記憶力，提高我們的注意力和記憶力。</a:t>
+            </a:r>
+          </a:p>
+        </p:txBody>
+      </p:sp>
+      <p:pic>
+        <p:nvPicPr>
+          <p:cNvPr id="5" name="Picture 5">
+            <a:extLst>
+              <a:ext uri="{FF2B5EF4-FFF2-40B4-BE49-F238E27FC236}">
+                <a16:creationId xmlns:a16="http://schemas.microsoft.com/office/drawing/2014/main" id="{814A92B7-DE9A-A4DD-FB53-63FBED565F7A}"/>
+              </a:ext>
+            </a:extLst>
+          </p:cNvPr>
+          <p:cNvPicPr>
+            <a:picLocks noChangeAspect="1"/>
+          </p:cNvPicPr>
+          <p:nvPr/>
+        </p:nvPicPr>
+        <p:blipFill>
+          <a:blip r:embed="rId2"/>
+          <a:stretch>
+            <a:fillRect/>
+          </a:stretch>
+        </p:blipFill>
+        <p:spPr>
+          <a:xfrm>
+            <a:off x="-460058" y="-243341"/>
+            <a:ext cx="1496345" cy="1122907"/>
+          </a:xfrm>
+          <a:prstGeom prst="rect">
+            <a:avLst/>
+          </a:prstGeom>
+        </p:spPr>
+      </p:pic>
+      <p:pic>
+        <p:nvPicPr>
+          <p:cNvPr id="7" name="图片 6">
+            <a:extLst>
+              <a:ext uri="{FF2B5EF4-FFF2-40B4-BE49-F238E27FC236}">
+                <a16:creationId xmlns:a16="http://schemas.microsoft.com/office/drawing/2014/main" id="{A3C7F22A-8CAD-4987-E1C8-EF3C242DDAE8}"/>
+              </a:ext>
+            </a:extLst>
+          </p:cNvPr>
+          <p:cNvPicPr>
+            <a:picLocks noChangeAspect="1"/>
+          </p:cNvPicPr>
+          <p:nvPr/>
+        </p:nvPicPr>
+        <p:blipFill>
+          <a:blip r:embed="rId3"/>
+          <a:stretch>
+            <a:fillRect/>
+          </a:stretch>
+        </p:blipFill>
+        <p:spPr>
+          <a:xfrm>
+            <a:off x="2101325" y="1896267"/>
+            <a:ext cx="8361032" cy="2099499"/>
+          </a:xfrm>
+          <a:prstGeom prst="rect">
+            <a:avLst/>
+          </a:prstGeom>
+        </p:spPr>
+      </p:pic>
+      <p:sp>
+        <p:nvSpPr>
+          <p:cNvPr id="8" name="弧形 7">
+            <a:extLst>
+              <a:ext uri="{FF2B5EF4-FFF2-40B4-BE49-F238E27FC236}">
+                <a16:creationId xmlns:a16="http://schemas.microsoft.com/office/drawing/2014/main" id="{84CA26F8-59DF-CFBE-C3FD-BD700F66E122}"/>
+              </a:ext>
+            </a:extLst>
+          </p:cNvPr>
+          <p:cNvSpPr/>
+          <p:nvPr/>
+        </p:nvSpPr>
+        <p:spPr>
+          <a:xfrm rot="19349297" flipH="1">
+            <a:off x="1905152" y="2349916"/>
+            <a:ext cx="2531703" cy="2723777"/>
+          </a:xfrm>
+          <a:prstGeom prst="arc">
+            <a:avLst>
+              <a:gd name="adj1" fmla="val 16200000"/>
+              <a:gd name="adj2" fmla="val 21486168"/>
+            </a:avLst>
+          </a:prstGeom>
+        </p:spPr>
+        <p:style>
+          <a:lnRef idx="3">
+            <a:schemeClr val="dk1"/>
+          </a:lnRef>
+          <a:fillRef idx="0">
+            <a:schemeClr val="dk1"/>
+          </a:fillRef>
+          <a:effectRef idx="2">
+            <a:schemeClr val="dk1"/>
+          </a:effectRef>
+          <a:fontRef idx="minor">
+            <a:schemeClr val="tx1"/>
+          </a:fontRef>
+        </p:style>
+        <p:txBody>
+          <a:bodyPr rtlCol="0" anchor="ctr"/>
+          <a:lstStyle/>
+          <a:p>
+            <a:pPr algn="ctr"/>
+            <a:endParaRPr lang="zh-CN" altLang="en-US"/>
+          </a:p>
+        </p:txBody>
+      </p:sp>
+      <p:sp>
+        <p:nvSpPr>
+          <p:cNvPr id="9" name="文本框 8">
+            <a:extLst>
+              <a:ext uri="{FF2B5EF4-FFF2-40B4-BE49-F238E27FC236}">
+                <a16:creationId xmlns:a16="http://schemas.microsoft.com/office/drawing/2014/main" id="{155B0ED0-8962-9732-D9DD-22FBF04BD141}"/>
+              </a:ext>
+            </a:extLst>
+          </p:cNvPr>
+          <p:cNvSpPr txBox="1"/>
+          <p:nvPr/>
+        </p:nvSpPr>
+        <p:spPr>
+          <a:xfrm>
+            <a:off x="2101325" y="4242875"/>
+            <a:ext cx="7813040" cy="369332"/>
+          </a:xfrm>
+          <a:prstGeom prst="rect">
+            <a:avLst/>
+          </a:prstGeom>
+          <a:noFill/>
+        </p:spPr>
+        <p:txBody>
+          <a:bodyPr wrap="square" rtlCol="0">
+            <a:spAutoFit/>
+          </a:bodyPr>
+          <a:lstStyle/>
+          <a:p>
+            <a:r>
+              <a:rPr lang="zh-CN" altLang="en-US" dirty="0">
+                <a:ln w="0"/>
+                <a:effectLst>
+                  <a:outerShdw blurRad="38100" dist="19050" dir="2700000" algn="tl" rotWithShape="0">
+                    <a:schemeClr val="dk1">
+                      <a:alpha val="40000"/>
+                    </a:schemeClr>
+                  </a:outerShdw>
+                </a:effectLst>
+              </a:rPr>
+              <a:t>因為使用時間生成隨機數所以不能同一時間生成否則全部數字會一樣</a:t>
+            </a:r>
+          </a:p>
+        </p:txBody>
+      </p:sp>
+      <p:sp>
+        <p:nvSpPr>
+          <p:cNvPr id="10" name="弧形 9">
+            <a:extLst>
+              <a:ext uri="{FF2B5EF4-FFF2-40B4-BE49-F238E27FC236}">
+                <a16:creationId xmlns:a16="http://schemas.microsoft.com/office/drawing/2014/main" id="{80869782-B711-9D66-1F53-19C3A4CA2B6B}"/>
+              </a:ext>
+            </a:extLst>
+          </p:cNvPr>
+          <p:cNvSpPr/>
+          <p:nvPr/>
+        </p:nvSpPr>
+        <p:spPr>
+          <a:xfrm rot="19349297" flipH="1">
+            <a:off x="1933188" y="2789317"/>
+            <a:ext cx="2652603" cy="2856915"/>
+          </a:xfrm>
+          <a:prstGeom prst="arc">
+            <a:avLst>
+              <a:gd name="adj1" fmla="val 16200000"/>
+              <a:gd name="adj2" fmla="val 21486168"/>
+            </a:avLst>
+          </a:prstGeom>
+        </p:spPr>
+        <p:style>
+          <a:lnRef idx="1">
+            <a:schemeClr val="accent2"/>
+          </a:lnRef>
+          <a:fillRef idx="0">
+            <a:schemeClr val="accent2"/>
+          </a:fillRef>
+          <a:effectRef idx="0">
+            <a:schemeClr val="accent2"/>
+          </a:effectRef>
+          <a:fontRef idx="minor">
+            <a:schemeClr val="tx1"/>
+          </a:fontRef>
+        </p:style>
+        <p:txBody>
+          <a:bodyPr rtlCol="0" anchor="ctr"/>
+          <a:lstStyle/>
+          <a:p>
+            <a:pPr algn="ctr"/>
+            <a:endParaRPr lang="zh-CN" altLang="en-US" b="1">
+              <a:ln w="22225">
+                <a:solidFill>
+                  <a:schemeClr val="accent2"/>
+                </a:solidFill>
+                <a:prstDash val="solid"/>
+              </a:ln>
+              <a:solidFill>
+                <a:schemeClr val="accent2">
+                  <a:lumMod val="40000"/>
+                  <a:lumOff val="60000"/>
+                </a:schemeClr>
+              </a:solidFill>
+            </a:endParaRPr>
+          </a:p>
+        </p:txBody>
+      </p:sp>
+      <p:sp>
+        <p:nvSpPr>
+          <p:cNvPr id="11" name="文本框 10">
+            <a:extLst>
+              <a:ext uri="{FF2B5EF4-FFF2-40B4-BE49-F238E27FC236}">
+                <a16:creationId xmlns:a16="http://schemas.microsoft.com/office/drawing/2014/main" id="{AB44A455-D962-5E58-B931-E339B23A7251}"/>
+              </a:ext>
+            </a:extLst>
+          </p:cNvPr>
+          <p:cNvSpPr txBox="1"/>
+          <p:nvPr/>
+        </p:nvSpPr>
+        <p:spPr>
+          <a:xfrm>
+            <a:off x="2101324" y="4863760"/>
+            <a:ext cx="8048515" cy="646331"/>
+          </a:xfrm>
+          <a:prstGeom prst="rect">
+            <a:avLst/>
+          </a:prstGeom>
+          <a:noFill/>
+        </p:spPr>
+        <p:txBody>
+          <a:bodyPr wrap="square" rtlCol="0">
+            <a:spAutoFit/>
+          </a:bodyPr>
+          <a:lstStyle/>
+          <a:p>
+            <a:r>
+              <a:rPr lang="zh-CN" altLang="en-US" dirty="0">
+                <a:ln w="0"/>
+                <a:effectLst>
+                  <a:outerShdw blurRad="38100" dist="19050" dir="2700000" algn="tl" rotWithShape="0">
+                    <a:schemeClr val="dk1">
+                      <a:alpha val="40000"/>
+                    </a:schemeClr>
+                  </a:outerShdw>
+                </a:effectLst>
+              </a:rPr>
+              <a:t>使用</a:t>
+            </a:r>
+            <a:r>
+              <a:rPr lang="en-US" altLang="zh-CN" dirty="0">
+                <a:ln w="0"/>
+                <a:effectLst>
+                  <a:outerShdw blurRad="38100" dist="19050" dir="2700000" algn="tl" rotWithShape="0">
+                    <a:schemeClr val="dk1">
+                      <a:alpha val="40000"/>
+                    </a:schemeClr>
+                  </a:outerShdw>
+                </a:effectLst>
+              </a:rPr>
+              <a:t>map（）</a:t>
+            </a:r>
+            <a:r>
+              <a:rPr lang="zh-CN" altLang="en-US" dirty="0">
+                <a:ln w="0"/>
+                <a:effectLst>
+                  <a:outerShdw blurRad="38100" dist="19050" dir="2700000" algn="tl" rotWithShape="0">
+                    <a:schemeClr val="dk1">
+                      <a:alpha val="40000"/>
+                    </a:schemeClr>
+                  </a:outerShdw>
+                </a:effectLst>
+              </a:rPr>
+              <a:t>印出數字然後用</a:t>
+            </a:r>
+            <a:r>
+              <a:rPr lang="en-US" altLang="zh-CN" dirty="0">
+                <a:ln w="0"/>
+                <a:effectLst>
+                  <a:outerShdw blurRad="38100" dist="19050" dir="2700000" algn="tl" rotWithShape="0">
+                    <a:schemeClr val="dk1">
+                      <a:alpha val="40000"/>
+                    </a:schemeClr>
+                  </a:outerShdw>
+                </a:effectLst>
+              </a:rPr>
+              <a:t>join（）</a:t>
+            </a:r>
+            <a:r>
+              <a:rPr lang="zh-CN" altLang="en-US" dirty="0">
+                <a:ln w="0"/>
+                <a:effectLst>
+                  <a:outerShdw blurRad="38100" dist="19050" dir="2700000" algn="tl" rotWithShape="0">
+                    <a:schemeClr val="dk1">
+                      <a:alpha val="40000"/>
+                    </a:schemeClr>
+                  </a:outerShdw>
+                </a:effectLst>
+              </a:rPr>
+              <a:t>將</a:t>
+            </a:r>
+            <a:r>
+              <a:rPr lang="zh-TW" altLang="en-US" dirty="0">
+                <a:ln w="0"/>
+                <a:effectLst>
+                  <a:outerShdw blurRad="38100" dist="19050" dir="2700000" algn="tl" rotWithShape="0">
+                    <a:schemeClr val="dk1">
+                      <a:alpha val="40000"/>
+                    </a:schemeClr>
+                  </a:outerShdw>
+                </a:effectLst>
+              </a:rPr>
+              <a:t>元素連接成一個字串。</a:t>
+            </a:r>
+            <a:endParaRPr lang="en-US" altLang="zh-TW" dirty="0">
+              <a:ln w="0"/>
+              <a:effectLst>
+                <a:outerShdw blurRad="38100" dist="19050" dir="2700000" algn="tl" rotWithShape="0">
+                  <a:schemeClr val="dk1">
+                    <a:alpha val="40000"/>
+                  </a:schemeClr>
+                </a:outerShdw>
+              </a:effectLst>
+            </a:endParaRPr>
+          </a:p>
+          <a:p>
+            <a:r>
+              <a:rPr kumimoji="0" lang="zh-CN" altLang="en-US" i="0" u="none" strike="noStrike" normalizeH="0" baseline="0" dirty="0">
+                <a:ln w="0"/>
+                <a:effectLst>
+                  <a:outerShdw blurRad="38100" dist="19050" dir="2700000" algn="tl" rotWithShape="0">
+                    <a:schemeClr val="dk1">
+                      <a:alpha val="40000"/>
+                    </a:schemeClr>
+                  </a:outerShdw>
+                </a:effectLst>
+                <a:latin typeface="Arial" panose="020B0604020202020204" pitchFamily="34" charset="0"/>
+              </a:rPr>
+              <a:t>因為需要</a:t>
+            </a:r>
+            <a:r>
+              <a:rPr kumimoji="0" lang="zh-CN" altLang="zh-CN" i="0" u="none" strike="noStrike" normalizeH="0" baseline="0" dirty="0">
+                <a:ln w="0"/>
+                <a:effectLst>
+                  <a:outerShdw blurRad="38100" dist="19050" dir="2700000" algn="tl" rotWithShape="0">
+                    <a:schemeClr val="dk1">
+                      <a:alpha val="40000"/>
+                    </a:schemeClr>
+                  </a:outerShdw>
+                </a:effectLst>
+                <a:latin typeface="Arial" panose="020B0604020202020204" pitchFamily="34" charset="0"/>
+              </a:rPr>
+              <a:t>對列表中的每個元素進行變換或處理</a:t>
+            </a:r>
+            <a:r>
+              <a:rPr kumimoji="0" lang="zh-CN" altLang="en-US" i="0" u="none" strike="noStrike" normalizeH="0" baseline="0" dirty="0">
+                <a:ln w="0"/>
+                <a:effectLst>
+                  <a:outerShdw blurRad="38100" dist="19050" dir="2700000" algn="tl" rotWithShape="0">
+                    <a:schemeClr val="dk1">
+                      <a:alpha val="40000"/>
+                    </a:schemeClr>
+                  </a:outerShdw>
+                </a:effectLst>
+                <a:latin typeface="Arial" panose="020B0604020202020204" pitchFamily="34" charset="0"/>
+              </a:rPr>
+              <a:t>所以使用了</a:t>
+            </a:r>
+            <a:r>
+              <a:rPr kumimoji="0" lang="en-US" altLang="zh-CN" i="0" u="none" strike="noStrike" normalizeH="0" baseline="0" dirty="0">
+                <a:ln w="0"/>
+                <a:effectLst>
+                  <a:outerShdw blurRad="38100" dist="19050" dir="2700000" algn="tl" rotWithShape="0">
+                    <a:schemeClr val="dk1">
+                      <a:alpha val="40000"/>
+                    </a:schemeClr>
+                  </a:outerShdw>
+                </a:effectLst>
+                <a:latin typeface="Arial" panose="020B0604020202020204" pitchFamily="34" charset="0"/>
+              </a:rPr>
+              <a:t>map（）</a:t>
+            </a:r>
+            <a:endParaRPr lang="zh-CN" altLang="en-US" dirty="0">
+              <a:ln w="0"/>
+              <a:effectLst>
+                <a:outerShdw blurRad="38100" dist="19050" dir="2700000" algn="tl" rotWithShape="0">
+                  <a:schemeClr val="dk1">
+                    <a:alpha val="40000"/>
+                  </a:schemeClr>
+                </a:outerShdw>
+              </a:effectLst>
+            </a:endParaRPr>
+          </a:p>
+        </p:txBody>
+      </p:sp>
+    </p:spTree>
+    <p:extLst>
+      <p:ext uri="{BB962C8B-B14F-4D97-AF65-F5344CB8AC3E}">
+        <p14:creationId xmlns:p14="http://schemas.microsoft.com/office/powerpoint/2010/main" val="2164878971"/>
+      </p:ext>
+    </p:extLst>
+  </p:cSld>
+  <p:clrMapOvr>
+    <a:masterClrMapping/>
+  </p:clrMapOvr>
+  <mc:AlternateContent xmlns:mc="http://schemas.openxmlformats.org/markup-compatibility/2006">
+    <mc:Choice xmlns:p15="http://schemas.microsoft.com/office/powerpoint/2012/main" Requires="p15">
+      <p:transition xmlns:p14="http://schemas.microsoft.com/office/powerpoint/2010/main" spd="slow" p14:dur="2000">
+        <p15:prstTrans prst="crush"/>
+      </p:transition>
+    </mc:Choice>
+    <mc:Fallback>
+      <p:transition spd="slow">
+        <p:fade/>
+      </p:transition>
+    </mc:Fallback>
+  </mc:AlternateContent>
 </p:sld>
 </file>
 

--- a/ppt/小游戲介紹.pptx
+++ b/ppt/小游戲介紹.pptx
@@ -112,6 +112,43 @@
     </p:ext>
   </p:extLst>
 </p:presentation>
+</file>
+
+<file path=ppt/changesInfos/changesInfo1.xml><?xml version="1.0" encoding="utf-8"?>
+<pc:chgInfo xmlns:a="http://schemas.openxmlformats.org/drawingml/2006/main" xmlns:r="http://schemas.openxmlformats.org/officeDocument/2006/relationships" xmlns:ac="http://schemas.microsoft.com/office/drawing/2013/main/command" xmlns:pc="http://schemas.microsoft.com/office/powerpoint/2013/main/command">
+  <pc:docChgLst>
+    <pc:chgData name="Lim Kelvin" userId="624f6ae12bb7b72b" providerId="LiveId" clId="{4E86DE64-E137-41D9-900E-0CF67EA461E6}"/>
+    <pc:docChg chg="modSld">
+      <pc:chgData name="Lim Kelvin" userId="624f6ae12bb7b72b" providerId="LiveId" clId="{4E86DE64-E137-41D9-900E-0CF67EA461E6}" dt="2024-12-22T15:00:33.715" v="2" actId="207"/>
+      <pc:docMkLst>
+        <pc:docMk/>
+      </pc:docMkLst>
+      <pc:sldChg chg="modSp mod">
+        <pc:chgData name="Lim Kelvin" userId="624f6ae12bb7b72b" providerId="LiveId" clId="{4E86DE64-E137-41D9-900E-0CF67EA461E6}" dt="2024-12-22T15:00:33.715" v="2" actId="207"/>
+        <pc:sldMkLst>
+          <pc:docMk/>
+          <pc:sldMk cId="2164878971" sldId="257"/>
+        </pc:sldMkLst>
+        <pc:spChg chg="mod">
+          <ac:chgData name="Lim Kelvin" userId="624f6ae12bb7b72b" providerId="LiveId" clId="{4E86DE64-E137-41D9-900E-0CF67EA461E6}" dt="2024-12-22T15:00:31.150" v="1" actId="207"/>
+          <ac:spMkLst>
+            <pc:docMk/>
+            <pc:sldMk cId="2164878971" sldId="257"/>
+            <ac:spMk id="9" creationId="{155B0ED0-8962-9732-D9DD-22FBF04BD141}"/>
+          </ac:spMkLst>
+        </pc:spChg>
+        <pc:spChg chg="mod">
+          <ac:chgData name="Lim Kelvin" userId="624f6ae12bb7b72b" providerId="LiveId" clId="{4E86DE64-E137-41D9-900E-0CF67EA461E6}" dt="2024-12-22T15:00:33.715" v="2" actId="207"/>
+          <ac:spMkLst>
+            <pc:docMk/>
+            <pc:sldMk cId="2164878971" sldId="257"/>
+            <ac:spMk id="11" creationId="{AB44A455-D962-5E58-B931-E339B23A7251}"/>
+          </ac:spMkLst>
+        </pc:spChg>
+      </pc:sldChg>
+    </pc:docChg>
+  </pc:docChgLst>
+</pc:chgInfo>
 </file>
 
 <file path=ppt/slideLayouts/slideLayout1.xml><?xml version="1.0" encoding="utf-8"?>
@@ -3910,13 +3947,13 @@
   <p:clrMapOvr>
     <a:masterClrMapping/>
   </p:clrMapOvr>
-  <mc:AlternateContent xmlns:mc="http://schemas.openxmlformats.org/markup-compatibility/2006">
-    <mc:Choice xmlns:p159="http://schemas.microsoft.com/office/powerpoint/2015/09/main" Requires="p159">
+  <mc:AlternateContent xmlns:mc="http://schemas.openxmlformats.org/markup-compatibility/2006" xmlns:p159="http://schemas.microsoft.com/office/powerpoint/2015/09/main">
+    <mc:Choice Requires="p159">
       <p:transition xmlns:p14="http://schemas.microsoft.com/office/powerpoint/2010/main" spd="slow" p14:dur="2000">
         <p159:morph option="byObject"/>
       </p:transition>
     </mc:Choice>
-    <mc:Fallback>
+    <mc:Fallback xmlns="">
       <p:transition spd="slow">
         <p:fade/>
       </p:transition>
@@ -4184,6 +4221,12 @@
             <a:r>
               <a:rPr lang="zh-CN" altLang="en-US" dirty="0">
                 <a:ln w="0"/>
+                <a:solidFill>
+                  <a:schemeClr val="accent1">
+                    <a:lumMod val="20000"/>
+                    <a:lumOff val="80000"/>
+                  </a:schemeClr>
+                </a:solidFill>
                 <a:effectLst>
                   <a:outerShdw blurRad="38100" dist="19050" dir="2700000" algn="tl" rotWithShape="0">
                     <a:schemeClr val="dk1">
@@ -4288,6 +4331,12 @@
             <a:r>
               <a:rPr lang="zh-CN" altLang="en-US" dirty="0">
                 <a:ln w="0"/>
+                <a:solidFill>
+                  <a:schemeClr val="accent1">
+                    <a:lumMod val="20000"/>
+                    <a:lumOff val="80000"/>
+                  </a:schemeClr>
+                </a:solidFill>
                 <a:effectLst>
                   <a:outerShdw blurRad="38100" dist="19050" dir="2700000" algn="tl" rotWithShape="0">
                     <a:schemeClr val="dk1">
@@ -4301,6 +4350,12 @@
             <a:r>
               <a:rPr lang="en-US" altLang="zh-CN" dirty="0">
                 <a:ln w="0"/>
+                <a:solidFill>
+                  <a:schemeClr val="accent1">
+                    <a:lumMod val="20000"/>
+                    <a:lumOff val="80000"/>
+                  </a:schemeClr>
+                </a:solidFill>
                 <a:effectLst>
                   <a:outerShdw blurRad="38100" dist="19050" dir="2700000" algn="tl" rotWithShape="0">
                     <a:schemeClr val="dk1">
@@ -4314,6 +4369,12 @@
             <a:r>
               <a:rPr lang="zh-CN" altLang="en-US" dirty="0">
                 <a:ln w="0"/>
+                <a:solidFill>
+                  <a:schemeClr val="accent1">
+                    <a:lumMod val="20000"/>
+                    <a:lumOff val="80000"/>
+                  </a:schemeClr>
+                </a:solidFill>
                 <a:effectLst>
                   <a:outerShdw blurRad="38100" dist="19050" dir="2700000" algn="tl" rotWithShape="0">
                     <a:schemeClr val="dk1">
@@ -4327,6 +4388,12 @@
             <a:r>
               <a:rPr lang="en-US" altLang="zh-CN" dirty="0">
                 <a:ln w="0"/>
+                <a:solidFill>
+                  <a:schemeClr val="accent1">
+                    <a:lumMod val="20000"/>
+                    <a:lumOff val="80000"/>
+                  </a:schemeClr>
+                </a:solidFill>
                 <a:effectLst>
                   <a:outerShdw blurRad="38100" dist="19050" dir="2700000" algn="tl" rotWithShape="0">
                     <a:schemeClr val="dk1">
@@ -4340,6 +4407,12 @@
             <a:r>
               <a:rPr lang="zh-CN" altLang="en-US" dirty="0">
                 <a:ln w="0"/>
+                <a:solidFill>
+                  <a:schemeClr val="accent1">
+                    <a:lumMod val="20000"/>
+                    <a:lumOff val="80000"/>
+                  </a:schemeClr>
+                </a:solidFill>
                 <a:effectLst>
                   <a:outerShdw blurRad="38100" dist="19050" dir="2700000" algn="tl" rotWithShape="0">
                     <a:schemeClr val="dk1">
@@ -4353,6 +4426,12 @@
             <a:r>
               <a:rPr lang="zh-TW" altLang="en-US" dirty="0">
                 <a:ln w="0"/>
+                <a:solidFill>
+                  <a:schemeClr val="accent1">
+                    <a:lumMod val="20000"/>
+                    <a:lumOff val="80000"/>
+                  </a:schemeClr>
+                </a:solidFill>
                 <a:effectLst>
                   <a:outerShdw blurRad="38100" dist="19050" dir="2700000" algn="tl" rotWithShape="0">
                     <a:schemeClr val="dk1">
@@ -4365,6 +4444,12 @@
             </a:r>
             <a:endParaRPr lang="en-US" altLang="zh-TW" dirty="0">
               <a:ln w="0"/>
+              <a:solidFill>
+                <a:schemeClr val="accent1">
+                  <a:lumMod val="20000"/>
+                  <a:lumOff val="80000"/>
+                </a:schemeClr>
+              </a:solidFill>
               <a:effectLst>
                 <a:outerShdw blurRad="38100" dist="19050" dir="2700000" algn="tl" rotWithShape="0">
                   <a:schemeClr val="dk1">
@@ -4378,6 +4463,12 @@
             <a:r>
               <a:rPr kumimoji="0" lang="zh-CN" altLang="en-US" i="0" u="none" strike="noStrike" normalizeH="0" baseline="0" dirty="0">
                 <a:ln w="0"/>
+                <a:solidFill>
+                  <a:schemeClr val="accent1">
+                    <a:lumMod val="20000"/>
+                    <a:lumOff val="80000"/>
+                  </a:schemeClr>
+                </a:solidFill>
                 <a:effectLst>
                   <a:outerShdw blurRad="38100" dist="19050" dir="2700000" algn="tl" rotWithShape="0">
                     <a:schemeClr val="dk1">
@@ -4392,6 +4483,12 @@
             <a:r>
               <a:rPr kumimoji="0" lang="zh-CN" altLang="zh-CN" i="0" u="none" strike="noStrike" normalizeH="0" baseline="0" dirty="0">
                 <a:ln w="0"/>
+                <a:solidFill>
+                  <a:schemeClr val="accent1">
+                    <a:lumMod val="20000"/>
+                    <a:lumOff val="80000"/>
+                  </a:schemeClr>
+                </a:solidFill>
                 <a:effectLst>
                   <a:outerShdw blurRad="38100" dist="19050" dir="2700000" algn="tl" rotWithShape="0">
                     <a:schemeClr val="dk1">
@@ -4406,6 +4503,12 @@
             <a:r>
               <a:rPr kumimoji="0" lang="zh-CN" altLang="en-US" i="0" u="none" strike="noStrike" normalizeH="0" baseline="0" dirty="0">
                 <a:ln w="0"/>
+                <a:solidFill>
+                  <a:schemeClr val="accent1">
+                    <a:lumMod val="20000"/>
+                    <a:lumOff val="80000"/>
+                  </a:schemeClr>
+                </a:solidFill>
                 <a:effectLst>
                   <a:outerShdw blurRad="38100" dist="19050" dir="2700000" algn="tl" rotWithShape="0">
                     <a:schemeClr val="dk1">
@@ -4420,6 +4523,12 @@
             <a:r>
               <a:rPr kumimoji="0" lang="en-US" altLang="zh-CN" i="0" u="none" strike="noStrike" normalizeH="0" baseline="0" dirty="0">
                 <a:ln w="0"/>
+                <a:solidFill>
+                  <a:schemeClr val="accent1">
+                    <a:lumMod val="20000"/>
+                    <a:lumOff val="80000"/>
+                  </a:schemeClr>
+                </a:solidFill>
                 <a:effectLst>
                   <a:outerShdw blurRad="38100" dist="19050" dir="2700000" algn="tl" rotWithShape="0">
                     <a:schemeClr val="dk1">
@@ -4433,6 +4542,12 @@
             </a:r>
             <a:endParaRPr lang="zh-CN" altLang="en-US" dirty="0">
               <a:ln w="0"/>
+              <a:solidFill>
+                <a:schemeClr val="accent1">
+                  <a:lumMod val="20000"/>
+                  <a:lumOff val="80000"/>
+                </a:schemeClr>
+              </a:solidFill>
               <a:effectLst>
                 <a:outerShdw blurRad="38100" dist="19050" dir="2700000" algn="tl" rotWithShape="0">
                   <a:schemeClr val="dk1">
@@ -4454,13 +4569,13 @@
   <p:clrMapOvr>
     <a:masterClrMapping/>
   </p:clrMapOvr>
-  <mc:AlternateContent xmlns:mc="http://schemas.openxmlformats.org/markup-compatibility/2006">
-    <mc:Choice xmlns:p15="http://schemas.microsoft.com/office/powerpoint/2012/main" Requires="p15">
+  <mc:AlternateContent xmlns:mc="http://schemas.openxmlformats.org/markup-compatibility/2006" xmlns:p15="http://schemas.microsoft.com/office/powerpoint/2012/main">
+    <mc:Choice Requires="p15">
       <p:transition xmlns:p14="http://schemas.microsoft.com/office/powerpoint/2010/main" spd="slow" p14:dur="2000">
         <p15:prstTrans prst="crush"/>
       </p:transition>
     </mc:Choice>
-    <mc:Fallback>
+    <mc:Fallback xmlns="">
       <p:transition spd="slow">
         <p:fade/>
       </p:transition>
